--- a/ppt 16-9/0673.你是我心中的音.pptx
+++ b/ppt 16-9/0673.你是我心中的音.pptx
@@ -129,7 +129,7 @@
           <p:cNvPr id="2" name="标题 1">
             <a:extLst>
               <a:ext uri="{FF2B5EF4-FFF2-40B4-BE49-F238E27FC236}">
-                <a16:creationId xmlns:a16="http://schemas.microsoft.com/office/drawing/2014/main" id="{C7BAECED-3FA3-635B-7966-6FD9783B35A1}"/>
+                <a16:creationId xmlns:a16="http://schemas.microsoft.com/office/drawing/2014/main" id="{EE388C40-9A4C-5751-509B-DF3A69A96DB9}"/>
               </a:ext>
             </a:extLst>
           </p:cNvPr>
@@ -166,7 +166,7 @@
           <p:cNvPr id="3" name="副标题 2">
             <a:extLst>
               <a:ext uri="{FF2B5EF4-FFF2-40B4-BE49-F238E27FC236}">
-                <a16:creationId xmlns:a16="http://schemas.microsoft.com/office/drawing/2014/main" id="{E2089119-B93F-4496-49A7-3C5FB9DF2794}"/>
+                <a16:creationId xmlns:a16="http://schemas.microsoft.com/office/drawing/2014/main" id="{232FA6F8-738A-D591-8531-FF896C780A3D}"/>
               </a:ext>
             </a:extLst>
           </p:cNvPr>
@@ -236,7 +236,7 @@
           <p:cNvPr id="4" name="日期占位符 3">
             <a:extLst>
               <a:ext uri="{FF2B5EF4-FFF2-40B4-BE49-F238E27FC236}">
-                <a16:creationId xmlns:a16="http://schemas.microsoft.com/office/drawing/2014/main" id="{AC7197FD-1CD1-E5A9-608F-CDC4235E876E}"/>
+                <a16:creationId xmlns:a16="http://schemas.microsoft.com/office/drawing/2014/main" id="{0B1D0679-7352-540E-90A8-CA44BCB972C2}"/>
               </a:ext>
             </a:extLst>
           </p:cNvPr>
@@ -252,7 +252,7 @@
           <a:bodyPr/>
           <a:lstStyle/>
           <a:p>
-            <a:fld id="{181FEF8B-E3E1-499B-A035-96566AE22860}" type="datetimeFigureOut">
+            <a:fld id="{B0C11A7D-4FCC-48C5-8B3C-EB258C8B1CD9}" type="datetimeFigureOut">
               <a:rPr lang="zh-CN" altLang="en-US" smtClean="0"/>
               <a:t>2024/3/10</a:t>
             </a:fld>
@@ -265,7 +265,7 @@
           <p:cNvPr id="5" name="页脚占位符 4">
             <a:extLst>
               <a:ext uri="{FF2B5EF4-FFF2-40B4-BE49-F238E27FC236}">
-                <a16:creationId xmlns:a16="http://schemas.microsoft.com/office/drawing/2014/main" id="{08D906A9-3445-A983-2A1C-68DDE171792B}"/>
+                <a16:creationId xmlns:a16="http://schemas.microsoft.com/office/drawing/2014/main" id="{347E895F-5927-90E9-5CC6-7C0C98E45E76}"/>
               </a:ext>
             </a:extLst>
           </p:cNvPr>
@@ -290,7 +290,7 @@
           <p:cNvPr id="6" name="灯片编号占位符 5">
             <a:extLst>
               <a:ext uri="{FF2B5EF4-FFF2-40B4-BE49-F238E27FC236}">
-                <a16:creationId xmlns:a16="http://schemas.microsoft.com/office/drawing/2014/main" id="{BAF6DA23-8CB8-806D-D381-6972C6C267ED}"/>
+                <a16:creationId xmlns:a16="http://schemas.microsoft.com/office/drawing/2014/main" id="{5BAA2C77-7EEC-AF2C-55E5-B81BCA3D6117}"/>
               </a:ext>
             </a:extLst>
           </p:cNvPr>
@@ -306,7 +306,7 @@
           <a:bodyPr/>
           <a:lstStyle/>
           <a:p>
-            <a:fld id="{558B872B-07CF-40BC-8038-64235AAC6D9C}" type="slidenum">
+            <a:fld id="{E22044BE-2C3C-4EE7-A107-D16FCD13847F}" type="slidenum">
               <a:rPr lang="zh-CN" altLang="en-US" smtClean="0"/>
               <a:t>‹#›</a:t>
             </a:fld>
@@ -317,7 +317,7 @@
     </p:spTree>
     <p:extLst>
       <p:ext uri="{BB962C8B-B14F-4D97-AF65-F5344CB8AC3E}">
-        <p14:creationId xmlns:p14="http://schemas.microsoft.com/office/powerpoint/2010/main" val="1150492433"/>
+        <p14:creationId xmlns:p14="http://schemas.microsoft.com/office/powerpoint/2010/main" val="2746680825"/>
       </p:ext>
     </p:extLst>
   </p:cSld>
@@ -349,7 +349,7 @@
           <p:cNvPr id="2" name="标题 1">
             <a:extLst>
               <a:ext uri="{FF2B5EF4-FFF2-40B4-BE49-F238E27FC236}">
-                <a16:creationId xmlns:a16="http://schemas.microsoft.com/office/drawing/2014/main" id="{773636E6-08FA-1ACD-E431-205EC6A4A4DA}"/>
+                <a16:creationId xmlns:a16="http://schemas.microsoft.com/office/drawing/2014/main" id="{ECB47732-6D8E-A7E6-91F1-E464B809EE51}"/>
               </a:ext>
             </a:extLst>
           </p:cNvPr>
@@ -377,7 +377,7 @@
           <p:cNvPr id="3" name="竖排文字占位符 2">
             <a:extLst>
               <a:ext uri="{FF2B5EF4-FFF2-40B4-BE49-F238E27FC236}">
-                <a16:creationId xmlns:a16="http://schemas.microsoft.com/office/drawing/2014/main" id="{D4CB617A-72C3-EA56-4FDC-67974F772040}"/>
+                <a16:creationId xmlns:a16="http://schemas.microsoft.com/office/drawing/2014/main" id="{C647ABCC-2B56-BF2D-7A98-2CAB41CE59CA}"/>
               </a:ext>
             </a:extLst>
           </p:cNvPr>
@@ -434,7 +434,7 @@
           <p:cNvPr id="4" name="日期占位符 3">
             <a:extLst>
               <a:ext uri="{FF2B5EF4-FFF2-40B4-BE49-F238E27FC236}">
-                <a16:creationId xmlns:a16="http://schemas.microsoft.com/office/drawing/2014/main" id="{19310DE0-2198-58F5-6C94-4F31D07874C7}"/>
+                <a16:creationId xmlns:a16="http://schemas.microsoft.com/office/drawing/2014/main" id="{698F61B8-D7B1-57CE-A3F1-3DB12BE5C933}"/>
               </a:ext>
             </a:extLst>
           </p:cNvPr>
@@ -450,7 +450,7 @@
           <a:bodyPr/>
           <a:lstStyle/>
           <a:p>
-            <a:fld id="{181FEF8B-E3E1-499B-A035-96566AE22860}" type="datetimeFigureOut">
+            <a:fld id="{B0C11A7D-4FCC-48C5-8B3C-EB258C8B1CD9}" type="datetimeFigureOut">
               <a:rPr lang="zh-CN" altLang="en-US" smtClean="0"/>
               <a:t>2024/3/10</a:t>
             </a:fld>
@@ -463,7 +463,7 @@
           <p:cNvPr id="5" name="页脚占位符 4">
             <a:extLst>
               <a:ext uri="{FF2B5EF4-FFF2-40B4-BE49-F238E27FC236}">
-                <a16:creationId xmlns:a16="http://schemas.microsoft.com/office/drawing/2014/main" id="{AFC77A40-8D99-22A7-B597-ABBD2E43DA09}"/>
+                <a16:creationId xmlns:a16="http://schemas.microsoft.com/office/drawing/2014/main" id="{AEC349C9-D80B-7E91-B170-1538CE89CC26}"/>
               </a:ext>
             </a:extLst>
           </p:cNvPr>
@@ -488,7 +488,7 @@
           <p:cNvPr id="6" name="灯片编号占位符 5">
             <a:extLst>
               <a:ext uri="{FF2B5EF4-FFF2-40B4-BE49-F238E27FC236}">
-                <a16:creationId xmlns:a16="http://schemas.microsoft.com/office/drawing/2014/main" id="{9475F817-C499-42EC-3747-2310592AF67C}"/>
+                <a16:creationId xmlns:a16="http://schemas.microsoft.com/office/drawing/2014/main" id="{C1C200C3-069B-AE2C-5AD8-A7E5974FE9FE}"/>
               </a:ext>
             </a:extLst>
           </p:cNvPr>
@@ -504,7 +504,7 @@
           <a:bodyPr/>
           <a:lstStyle/>
           <a:p>
-            <a:fld id="{558B872B-07CF-40BC-8038-64235AAC6D9C}" type="slidenum">
+            <a:fld id="{E22044BE-2C3C-4EE7-A107-D16FCD13847F}" type="slidenum">
               <a:rPr lang="zh-CN" altLang="en-US" smtClean="0"/>
               <a:t>‹#›</a:t>
             </a:fld>
@@ -515,7 +515,7 @@
     </p:spTree>
     <p:extLst>
       <p:ext uri="{BB962C8B-B14F-4D97-AF65-F5344CB8AC3E}">
-        <p14:creationId xmlns:p14="http://schemas.microsoft.com/office/powerpoint/2010/main" val="2409539464"/>
+        <p14:creationId xmlns:p14="http://schemas.microsoft.com/office/powerpoint/2010/main" val="1302692284"/>
       </p:ext>
     </p:extLst>
   </p:cSld>
@@ -547,7 +547,7 @@
           <p:cNvPr id="2" name="竖排标题 1">
             <a:extLst>
               <a:ext uri="{FF2B5EF4-FFF2-40B4-BE49-F238E27FC236}">
-                <a16:creationId xmlns:a16="http://schemas.microsoft.com/office/drawing/2014/main" id="{6D153811-61C5-8CBF-A281-DEFC6172CC09}"/>
+                <a16:creationId xmlns:a16="http://schemas.microsoft.com/office/drawing/2014/main" id="{A72C5074-4EE1-C892-8B36-695ECB3245BA}"/>
               </a:ext>
             </a:extLst>
           </p:cNvPr>
@@ -580,7 +580,7 @@
           <p:cNvPr id="3" name="竖排文字占位符 2">
             <a:extLst>
               <a:ext uri="{FF2B5EF4-FFF2-40B4-BE49-F238E27FC236}">
-                <a16:creationId xmlns:a16="http://schemas.microsoft.com/office/drawing/2014/main" id="{F3ADA482-4EFB-6B50-2CC4-C588B3B777BD}"/>
+                <a16:creationId xmlns:a16="http://schemas.microsoft.com/office/drawing/2014/main" id="{6DD4A0D8-2A1C-9E5A-FD41-1B2418FA74F6}"/>
               </a:ext>
             </a:extLst>
           </p:cNvPr>
@@ -642,7 +642,7 @@
           <p:cNvPr id="4" name="日期占位符 3">
             <a:extLst>
               <a:ext uri="{FF2B5EF4-FFF2-40B4-BE49-F238E27FC236}">
-                <a16:creationId xmlns:a16="http://schemas.microsoft.com/office/drawing/2014/main" id="{B0493081-EEB9-CCE0-8D85-5B530A8409D6}"/>
+                <a16:creationId xmlns:a16="http://schemas.microsoft.com/office/drawing/2014/main" id="{9D212E67-794A-776D-8331-433E480972B5}"/>
               </a:ext>
             </a:extLst>
           </p:cNvPr>
@@ -658,7 +658,7 @@
           <a:bodyPr/>
           <a:lstStyle/>
           <a:p>
-            <a:fld id="{181FEF8B-E3E1-499B-A035-96566AE22860}" type="datetimeFigureOut">
+            <a:fld id="{B0C11A7D-4FCC-48C5-8B3C-EB258C8B1CD9}" type="datetimeFigureOut">
               <a:rPr lang="zh-CN" altLang="en-US" smtClean="0"/>
               <a:t>2024/3/10</a:t>
             </a:fld>
@@ -671,7 +671,7 @@
           <p:cNvPr id="5" name="页脚占位符 4">
             <a:extLst>
               <a:ext uri="{FF2B5EF4-FFF2-40B4-BE49-F238E27FC236}">
-                <a16:creationId xmlns:a16="http://schemas.microsoft.com/office/drawing/2014/main" id="{1BBD6022-134E-9EE9-C4DA-D10B07C3DBBE}"/>
+                <a16:creationId xmlns:a16="http://schemas.microsoft.com/office/drawing/2014/main" id="{7F51B204-3B08-25E0-7AE8-443A4E4FF4DA}"/>
               </a:ext>
             </a:extLst>
           </p:cNvPr>
@@ -696,7 +696,7 @@
           <p:cNvPr id="6" name="灯片编号占位符 5">
             <a:extLst>
               <a:ext uri="{FF2B5EF4-FFF2-40B4-BE49-F238E27FC236}">
-                <a16:creationId xmlns:a16="http://schemas.microsoft.com/office/drawing/2014/main" id="{F821A7C6-CB40-1765-EB53-0DAD11E7A53C}"/>
+                <a16:creationId xmlns:a16="http://schemas.microsoft.com/office/drawing/2014/main" id="{FEF0C002-798F-F516-E63C-6E00F79151BC}"/>
               </a:ext>
             </a:extLst>
           </p:cNvPr>
@@ -712,7 +712,7 @@
           <a:bodyPr/>
           <a:lstStyle/>
           <a:p>
-            <a:fld id="{558B872B-07CF-40BC-8038-64235AAC6D9C}" type="slidenum">
+            <a:fld id="{E22044BE-2C3C-4EE7-A107-D16FCD13847F}" type="slidenum">
               <a:rPr lang="zh-CN" altLang="en-US" smtClean="0"/>
               <a:t>‹#›</a:t>
             </a:fld>
@@ -723,7 +723,7 @@
     </p:spTree>
     <p:extLst>
       <p:ext uri="{BB962C8B-B14F-4D97-AF65-F5344CB8AC3E}">
-        <p14:creationId xmlns:p14="http://schemas.microsoft.com/office/powerpoint/2010/main" val="2551339739"/>
+        <p14:creationId xmlns:p14="http://schemas.microsoft.com/office/powerpoint/2010/main" val="1036717051"/>
       </p:ext>
     </p:extLst>
   </p:cSld>
@@ -755,7 +755,7 @@
           <p:cNvPr id="2" name="标题 1">
             <a:extLst>
               <a:ext uri="{FF2B5EF4-FFF2-40B4-BE49-F238E27FC236}">
-                <a16:creationId xmlns:a16="http://schemas.microsoft.com/office/drawing/2014/main" id="{7B016C9A-3476-1F35-DBAC-BC2118948C04}"/>
+                <a16:creationId xmlns:a16="http://schemas.microsoft.com/office/drawing/2014/main" id="{ECDE9A12-BD0F-439F-D4C6-0491D32E765B}"/>
               </a:ext>
             </a:extLst>
           </p:cNvPr>
@@ -783,7 +783,7 @@
           <p:cNvPr id="3" name="内容占位符 2">
             <a:extLst>
               <a:ext uri="{FF2B5EF4-FFF2-40B4-BE49-F238E27FC236}">
-                <a16:creationId xmlns:a16="http://schemas.microsoft.com/office/drawing/2014/main" id="{25D620CA-A21C-890E-D939-5BE2F534855C}"/>
+                <a16:creationId xmlns:a16="http://schemas.microsoft.com/office/drawing/2014/main" id="{523C8070-191E-1771-E603-2C249C1D3522}"/>
               </a:ext>
             </a:extLst>
           </p:cNvPr>
@@ -840,7 +840,7 @@
           <p:cNvPr id="4" name="日期占位符 3">
             <a:extLst>
               <a:ext uri="{FF2B5EF4-FFF2-40B4-BE49-F238E27FC236}">
-                <a16:creationId xmlns:a16="http://schemas.microsoft.com/office/drawing/2014/main" id="{90F203EB-E8CC-E7DC-2F00-EE25A2372ADF}"/>
+                <a16:creationId xmlns:a16="http://schemas.microsoft.com/office/drawing/2014/main" id="{5A908EFB-3B99-BB54-34F1-53AD2B5E9C0B}"/>
               </a:ext>
             </a:extLst>
           </p:cNvPr>
@@ -856,7 +856,7 @@
           <a:bodyPr/>
           <a:lstStyle/>
           <a:p>
-            <a:fld id="{181FEF8B-E3E1-499B-A035-96566AE22860}" type="datetimeFigureOut">
+            <a:fld id="{B0C11A7D-4FCC-48C5-8B3C-EB258C8B1CD9}" type="datetimeFigureOut">
               <a:rPr lang="zh-CN" altLang="en-US" smtClean="0"/>
               <a:t>2024/3/10</a:t>
             </a:fld>
@@ -869,7 +869,7 @@
           <p:cNvPr id="5" name="页脚占位符 4">
             <a:extLst>
               <a:ext uri="{FF2B5EF4-FFF2-40B4-BE49-F238E27FC236}">
-                <a16:creationId xmlns:a16="http://schemas.microsoft.com/office/drawing/2014/main" id="{F477376F-DCEC-DE7E-4313-FEC03654675A}"/>
+                <a16:creationId xmlns:a16="http://schemas.microsoft.com/office/drawing/2014/main" id="{4511BB41-C87B-DD39-D392-5D30328DD5CF}"/>
               </a:ext>
             </a:extLst>
           </p:cNvPr>
@@ -894,7 +894,7 @@
           <p:cNvPr id="6" name="灯片编号占位符 5">
             <a:extLst>
               <a:ext uri="{FF2B5EF4-FFF2-40B4-BE49-F238E27FC236}">
-                <a16:creationId xmlns:a16="http://schemas.microsoft.com/office/drawing/2014/main" id="{FBB16391-4E53-3D9B-1602-5BBAB34087C8}"/>
+                <a16:creationId xmlns:a16="http://schemas.microsoft.com/office/drawing/2014/main" id="{9287094F-1D88-5BCF-9A36-F6A512940804}"/>
               </a:ext>
             </a:extLst>
           </p:cNvPr>
@@ -910,7 +910,7 @@
           <a:bodyPr/>
           <a:lstStyle/>
           <a:p>
-            <a:fld id="{558B872B-07CF-40BC-8038-64235AAC6D9C}" type="slidenum">
+            <a:fld id="{E22044BE-2C3C-4EE7-A107-D16FCD13847F}" type="slidenum">
               <a:rPr lang="zh-CN" altLang="en-US" smtClean="0"/>
               <a:t>‹#›</a:t>
             </a:fld>
@@ -921,7 +921,7 @@
     </p:spTree>
     <p:extLst>
       <p:ext uri="{BB962C8B-B14F-4D97-AF65-F5344CB8AC3E}">
-        <p14:creationId xmlns:p14="http://schemas.microsoft.com/office/powerpoint/2010/main" val="3103930567"/>
+        <p14:creationId xmlns:p14="http://schemas.microsoft.com/office/powerpoint/2010/main" val="846766414"/>
       </p:ext>
     </p:extLst>
   </p:cSld>
@@ -953,7 +953,7 @@
           <p:cNvPr id="2" name="标题 1">
             <a:extLst>
               <a:ext uri="{FF2B5EF4-FFF2-40B4-BE49-F238E27FC236}">
-                <a16:creationId xmlns:a16="http://schemas.microsoft.com/office/drawing/2014/main" id="{EA32B06B-8DC2-E36F-5D21-E80AFFF09D60}"/>
+                <a16:creationId xmlns:a16="http://schemas.microsoft.com/office/drawing/2014/main" id="{6333BC1C-77A7-ADA2-06D7-1D4B823FF551}"/>
               </a:ext>
             </a:extLst>
           </p:cNvPr>
@@ -990,7 +990,7 @@
           <p:cNvPr id="3" name="文本占位符 2">
             <a:extLst>
               <a:ext uri="{FF2B5EF4-FFF2-40B4-BE49-F238E27FC236}">
-                <a16:creationId xmlns:a16="http://schemas.microsoft.com/office/drawing/2014/main" id="{C662AF10-860F-C2D4-6E72-39BA921719E9}"/>
+                <a16:creationId xmlns:a16="http://schemas.microsoft.com/office/drawing/2014/main" id="{02294FFE-FC82-B887-C119-7B499D547904}"/>
               </a:ext>
             </a:extLst>
           </p:cNvPr>
@@ -1115,7 +1115,7 @@
           <p:cNvPr id="4" name="日期占位符 3">
             <a:extLst>
               <a:ext uri="{FF2B5EF4-FFF2-40B4-BE49-F238E27FC236}">
-                <a16:creationId xmlns:a16="http://schemas.microsoft.com/office/drawing/2014/main" id="{EB5C05BF-3460-FD17-68CF-A51A5C3EBFDF}"/>
+                <a16:creationId xmlns:a16="http://schemas.microsoft.com/office/drawing/2014/main" id="{E289D182-2601-530A-ACF1-34A943097C0C}"/>
               </a:ext>
             </a:extLst>
           </p:cNvPr>
@@ -1131,7 +1131,7 @@
           <a:bodyPr/>
           <a:lstStyle/>
           <a:p>
-            <a:fld id="{181FEF8B-E3E1-499B-A035-96566AE22860}" type="datetimeFigureOut">
+            <a:fld id="{B0C11A7D-4FCC-48C5-8B3C-EB258C8B1CD9}" type="datetimeFigureOut">
               <a:rPr lang="zh-CN" altLang="en-US" smtClean="0"/>
               <a:t>2024/3/10</a:t>
             </a:fld>
@@ -1144,7 +1144,7 @@
           <p:cNvPr id="5" name="页脚占位符 4">
             <a:extLst>
               <a:ext uri="{FF2B5EF4-FFF2-40B4-BE49-F238E27FC236}">
-                <a16:creationId xmlns:a16="http://schemas.microsoft.com/office/drawing/2014/main" id="{CA4EC8A2-6D28-1898-5870-1E4A1FBB2D9C}"/>
+                <a16:creationId xmlns:a16="http://schemas.microsoft.com/office/drawing/2014/main" id="{2BFE3044-0404-C95B-9D09-EC2B32CA4C6D}"/>
               </a:ext>
             </a:extLst>
           </p:cNvPr>
@@ -1169,7 +1169,7 @@
           <p:cNvPr id="6" name="灯片编号占位符 5">
             <a:extLst>
               <a:ext uri="{FF2B5EF4-FFF2-40B4-BE49-F238E27FC236}">
-                <a16:creationId xmlns:a16="http://schemas.microsoft.com/office/drawing/2014/main" id="{A6ABA928-E946-ACE2-2B9C-30E862E72672}"/>
+                <a16:creationId xmlns:a16="http://schemas.microsoft.com/office/drawing/2014/main" id="{EA0D9763-6415-7BF6-9982-3427E86609F3}"/>
               </a:ext>
             </a:extLst>
           </p:cNvPr>
@@ -1185,7 +1185,7 @@
           <a:bodyPr/>
           <a:lstStyle/>
           <a:p>
-            <a:fld id="{558B872B-07CF-40BC-8038-64235AAC6D9C}" type="slidenum">
+            <a:fld id="{E22044BE-2C3C-4EE7-A107-D16FCD13847F}" type="slidenum">
               <a:rPr lang="zh-CN" altLang="en-US" smtClean="0"/>
               <a:t>‹#›</a:t>
             </a:fld>
@@ -1196,7 +1196,7 @@
     </p:spTree>
     <p:extLst>
       <p:ext uri="{BB962C8B-B14F-4D97-AF65-F5344CB8AC3E}">
-        <p14:creationId xmlns:p14="http://schemas.microsoft.com/office/powerpoint/2010/main" val="630797485"/>
+        <p14:creationId xmlns:p14="http://schemas.microsoft.com/office/powerpoint/2010/main" val="436205015"/>
       </p:ext>
     </p:extLst>
   </p:cSld>
@@ -1228,7 +1228,7 @@
           <p:cNvPr id="2" name="标题 1">
             <a:extLst>
               <a:ext uri="{FF2B5EF4-FFF2-40B4-BE49-F238E27FC236}">
-                <a16:creationId xmlns:a16="http://schemas.microsoft.com/office/drawing/2014/main" id="{0AFA325E-7BFD-673C-DF71-7179604600BC}"/>
+                <a16:creationId xmlns:a16="http://schemas.microsoft.com/office/drawing/2014/main" id="{A4F5CE95-11B3-61C6-DD4B-12AA4D481ABF}"/>
               </a:ext>
             </a:extLst>
           </p:cNvPr>
@@ -1256,7 +1256,7 @@
           <p:cNvPr id="3" name="内容占位符 2">
             <a:extLst>
               <a:ext uri="{FF2B5EF4-FFF2-40B4-BE49-F238E27FC236}">
-                <a16:creationId xmlns:a16="http://schemas.microsoft.com/office/drawing/2014/main" id="{B9C143FE-E411-BE12-17CD-59EBC747F74A}"/>
+                <a16:creationId xmlns:a16="http://schemas.microsoft.com/office/drawing/2014/main" id="{DF44AD80-E673-B9CF-4CA8-DC1E404A0C37}"/>
               </a:ext>
             </a:extLst>
           </p:cNvPr>
@@ -1318,7 +1318,7 @@
           <p:cNvPr id="4" name="内容占位符 3">
             <a:extLst>
               <a:ext uri="{FF2B5EF4-FFF2-40B4-BE49-F238E27FC236}">
-                <a16:creationId xmlns:a16="http://schemas.microsoft.com/office/drawing/2014/main" id="{B7BB1343-C8FA-BC46-624E-F4FB582986D3}"/>
+                <a16:creationId xmlns:a16="http://schemas.microsoft.com/office/drawing/2014/main" id="{7565FC51-E8F5-42F2-4D4C-8C5952FD18A8}"/>
               </a:ext>
             </a:extLst>
           </p:cNvPr>
@@ -1380,7 +1380,7 @@
           <p:cNvPr id="5" name="日期占位符 4">
             <a:extLst>
               <a:ext uri="{FF2B5EF4-FFF2-40B4-BE49-F238E27FC236}">
-                <a16:creationId xmlns:a16="http://schemas.microsoft.com/office/drawing/2014/main" id="{1A2B8919-002D-AD7F-DABD-D0E1CEA1B34A}"/>
+                <a16:creationId xmlns:a16="http://schemas.microsoft.com/office/drawing/2014/main" id="{8FDDBDDB-41D5-9B56-8C0F-22EE434EB8AE}"/>
               </a:ext>
             </a:extLst>
           </p:cNvPr>
@@ -1396,7 +1396,7 @@
           <a:bodyPr/>
           <a:lstStyle/>
           <a:p>
-            <a:fld id="{181FEF8B-E3E1-499B-A035-96566AE22860}" type="datetimeFigureOut">
+            <a:fld id="{B0C11A7D-4FCC-48C5-8B3C-EB258C8B1CD9}" type="datetimeFigureOut">
               <a:rPr lang="zh-CN" altLang="en-US" smtClean="0"/>
               <a:t>2024/3/10</a:t>
             </a:fld>
@@ -1409,7 +1409,7 @@
           <p:cNvPr id="6" name="页脚占位符 5">
             <a:extLst>
               <a:ext uri="{FF2B5EF4-FFF2-40B4-BE49-F238E27FC236}">
-                <a16:creationId xmlns:a16="http://schemas.microsoft.com/office/drawing/2014/main" id="{4C2974BA-3902-862D-1E3B-AA8E2A455B84}"/>
+                <a16:creationId xmlns:a16="http://schemas.microsoft.com/office/drawing/2014/main" id="{AB49EA88-F5B8-2B2F-50DF-ED65E008D8A3}"/>
               </a:ext>
             </a:extLst>
           </p:cNvPr>
@@ -1434,7 +1434,7 @@
           <p:cNvPr id="7" name="灯片编号占位符 6">
             <a:extLst>
               <a:ext uri="{FF2B5EF4-FFF2-40B4-BE49-F238E27FC236}">
-                <a16:creationId xmlns:a16="http://schemas.microsoft.com/office/drawing/2014/main" id="{537A660A-0E16-061A-8DCC-5A14D182C3AF}"/>
+                <a16:creationId xmlns:a16="http://schemas.microsoft.com/office/drawing/2014/main" id="{BB8B8789-23E9-1FC6-5BD5-64228951C4D0}"/>
               </a:ext>
             </a:extLst>
           </p:cNvPr>
@@ -1450,7 +1450,7 @@
           <a:bodyPr/>
           <a:lstStyle/>
           <a:p>
-            <a:fld id="{558B872B-07CF-40BC-8038-64235AAC6D9C}" type="slidenum">
+            <a:fld id="{E22044BE-2C3C-4EE7-A107-D16FCD13847F}" type="slidenum">
               <a:rPr lang="zh-CN" altLang="en-US" smtClean="0"/>
               <a:t>‹#›</a:t>
             </a:fld>
@@ -1461,7 +1461,7 @@
     </p:spTree>
     <p:extLst>
       <p:ext uri="{BB962C8B-B14F-4D97-AF65-F5344CB8AC3E}">
-        <p14:creationId xmlns:p14="http://schemas.microsoft.com/office/powerpoint/2010/main" val="2512971241"/>
+        <p14:creationId xmlns:p14="http://schemas.microsoft.com/office/powerpoint/2010/main" val="3140776068"/>
       </p:ext>
     </p:extLst>
   </p:cSld>
@@ -1493,7 +1493,7 @@
           <p:cNvPr id="2" name="标题 1">
             <a:extLst>
               <a:ext uri="{FF2B5EF4-FFF2-40B4-BE49-F238E27FC236}">
-                <a16:creationId xmlns:a16="http://schemas.microsoft.com/office/drawing/2014/main" id="{7E8DF9DC-77BC-03CD-BB80-1FB1DDFE2B40}"/>
+                <a16:creationId xmlns:a16="http://schemas.microsoft.com/office/drawing/2014/main" id="{E5943F16-5A39-AB07-F5D2-F5B8C9A076D2}"/>
               </a:ext>
             </a:extLst>
           </p:cNvPr>
@@ -1526,7 +1526,7 @@
           <p:cNvPr id="3" name="文本占位符 2">
             <a:extLst>
               <a:ext uri="{FF2B5EF4-FFF2-40B4-BE49-F238E27FC236}">
-                <a16:creationId xmlns:a16="http://schemas.microsoft.com/office/drawing/2014/main" id="{F212E011-36AE-64E4-E652-D5ECB0D03B3B}"/>
+                <a16:creationId xmlns:a16="http://schemas.microsoft.com/office/drawing/2014/main" id="{59414785-2B54-5623-F9E9-6D8CD825088D}"/>
               </a:ext>
             </a:extLst>
           </p:cNvPr>
@@ -1597,7 +1597,7 @@
           <p:cNvPr id="4" name="内容占位符 3">
             <a:extLst>
               <a:ext uri="{FF2B5EF4-FFF2-40B4-BE49-F238E27FC236}">
-                <a16:creationId xmlns:a16="http://schemas.microsoft.com/office/drawing/2014/main" id="{A94CC879-15B5-9205-64AB-B41CA88A6C35}"/>
+                <a16:creationId xmlns:a16="http://schemas.microsoft.com/office/drawing/2014/main" id="{4DAE854C-C567-2AF7-CD8C-9D0BA678F148}"/>
               </a:ext>
             </a:extLst>
           </p:cNvPr>
@@ -1659,7 +1659,7 @@
           <p:cNvPr id="5" name="文本占位符 4">
             <a:extLst>
               <a:ext uri="{FF2B5EF4-FFF2-40B4-BE49-F238E27FC236}">
-                <a16:creationId xmlns:a16="http://schemas.microsoft.com/office/drawing/2014/main" id="{F2AD6D13-7369-EBA5-2DE1-7371A09B11CE}"/>
+                <a16:creationId xmlns:a16="http://schemas.microsoft.com/office/drawing/2014/main" id="{5BA98137-9842-50AB-173D-790A2D0C66A2}"/>
               </a:ext>
             </a:extLst>
           </p:cNvPr>
@@ -1730,7 +1730,7 @@
           <p:cNvPr id="6" name="内容占位符 5">
             <a:extLst>
               <a:ext uri="{FF2B5EF4-FFF2-40B4-BE49-F238E27FC236}">
-                <a16:creationId xmlns:a16="http://schemas.microsoft.com/office/drawing/2014/main" id="{D242C89B-8D43-D2F8-7796-1109A3326FE8}"/>
+                <a16:creationId xmlns:a16="http://schemas.microsoft.com/office/drawing/2014/main" id="{2847B606-BB86-8A88-B08E-EB5123019557}"/>
               </a:ext>
             </a:extLst>
           </p:cNvPr>
@@ -1792,7 +1792,7 @@
           <p:cNvPr id="7" name="日期占位符 6">
             <a:extLst>
               <a:ext uri="{FF2B5EF4-FFF2-40B4-BE49-F238E27FC236}">
-                <a16:creationId xmlns:a16="http://schemas.microsoft.com/office/drawing/2014/main" id="{2A24E096-6D12-A6D1-6506-D15263AED974}"/>
+                <a16:creationId xmlns:a16="http://schemas.microsoft.com/office/drawing/2014/main" id="{18F5F61E-91D2-D818-C893-DDF2A3664441}"/>
               </a:ext>
             </a:extLst>
           </p:cNvPr>
@@ -1808,7 +1808,7 @@
           <a:bodyPr/>
           <a:lstStyle/>
           <a:p>
-            <a:fld id="{181FEF8B-E3E1-499B-A035-96566AE22860}" type="datetimeFigureOut">
+            <a:fld id="{B0C11A7D-4FCC-48C5-8B3C-EB258C8B1CD9}" type="datetimeFigureOut">
               <a:rPr lang="zh-CN" altLang="en-US" smtClean="0"/>
               <a:t>2024/3/10</a:t>
             </a:fld>
@@ -1821,7 +1821,7 @@
           <p:cNvPr id="8" name="页脚占位符 7">
             <a:extLst>
               <a:ext uri="{FF2B5EF4-FFF2-40B4-BE49-F238E27FC236}">
-                <a16:creationId xmlns:a16="http://schemas.microsoft.com/office/drawing/2014/main" id="{3224C3BA-E312-4A01-5C1B-2CE823B35E35}"/>
+                <a16:creationId xmlns:a16="http://schemas.microsoft.com/office/drawing/2014/main" id="{37C17A6A-2C4E-5355-FB19-FDB34E62B35E}"/>
               </a:ext>
             </a:extLst>
           </p:cNvPr>
@@ -1846,7 +1846,7 @@
           <p:cNvPr id="9" name="灯片编号占位符 8">
             <a:extLst>
               <a:ext uri="{FF2B5EF4-FFF2-40B4-BE49-F238E27FC236}">
-                <a16:creationId xmlns:a16="http://schemas.microsoft.com/office/drawing/2014/main" id="{7992256F-79F4-B8D8-4C04-5A19825F2449}"/>
+                <a16:creationId xmlns:a16="http://schemas.microsoft.com/office/drawing/2014/main" id="{09DDEFC5-7A76-0F7F-603B-E34967BF6365}"/>
               </a:ext>
             </a:extLst>
           </p:cNvPr>
@@ -1862,7 +1862,7 @@
           <a:bodyPr/>
           <a:lstStyle/>
           <a:p>
-            <a:fld id="{558B872B-07CF-40BC-8038-64235AAC6D9C}" type="slidenum">
+            <a:fld id="{E22044BE-2C3C-4EE7-A107-D16FCD13847F}" type="slidenum">
               <a:rPr lang="zh-CN" altLang="en-US" smtClean="0"/>
               <a:t>‹#›</a:t>
             </a:fld>
@@ -1873,7 +1873,7 @@
     </p:spTree>
     <p:extLst>
       <p:ext uri="{BB962C8B-B14F-4D97-AF65-F5344CB8AC3E}">
-        <p14:creationId xmlns:p14="http://schemas.microsoft.com/office/powerpoint/2010/main" val="339291364"/>
+        <p14:creationId xmlns:p14="http://schemas.microsoft.com/office/powerpoint/2010/main" val="2928960162"/>
       </p:ext>
     </p:extLst>
   </p:cSld>
@@ -1905,7 +1905,7 @@
           <p:cNvPr id="2" name="标题 1">
             <a:extLst>
               <a:ext uri="{FF2B5EF4-FFF2-40B4-BE49-F238E27FC236}">
-                <a16:creationId xmlns:a16="http://schemas.microsoft.com/office/drawing/2014/main" id="{F75B9662-3EAA-1649-031A-18717B536DA2}"/>
+                <a16:creationId xmlns:a16="http://schemas.microsoft.com/office/drawing/2014/main" id="{78555E5B-56FF-A4A7-EDB6-8022AA16100B}"/>
               </a:ext>
             </a:extLst>
           </p:cNvPr>
@@ -1933,7 +1933,7 @@
           <p:cNvPr id="3" name="日期占位符 2">
             <a:extLst>
               <a:ext uri="{FF2B5EF4-FFF2-40B4-BE49-F238E27FC236}">
-                <a16:creationId xmlns:a16="http://schemas.microsoft.com/office/drawing/2014/main" id="{70857987-45B1-6DAA-6BAB-80428169EEF3}"/>
+                <a16:creationId xmlns:a16="http://schemas.microsoft.com/office/drawing/2014/main" id="{BBAEC34D-2C4B-A78E-03C5-033464C42A8B}"/>
               </a:ext>
             </a:extLst>
           </p:cNvPr>
@@ -1949,7 +1949,7 @@
           <a:bodyPr/>
           <a:lstStyle/>
           <a:p>
-            <a:fld id="{181FEF8B-E3E1-499B-A035-96566AE22860}" type="datetimeFigureOut">
+            <a:fld id="{B0C11A7D-4FCC-48C5-8B3C-EB258C8B1CD9}" type="datetimeFigureOut">
               <a:rPr lang="zh-CN" altLang="en-US" smtClean="0"/>
               <a:t>2024/3/10</a:t>
             </a:fld>
@@ -1962,7 +1962,7 @@
           <p:cNvPr id="4" name="页脚占位符 3">
             <a:extLst>
               <a:ext uri="{FF2B5EF4-FFF2-40B4-BE49-F238E27FC236}">
-                <a16:creationId xmlns:a16="http://schemas.microsoft.com/office/drawing/2014/main" id="{5EC1E033-9FFE-4144-38AD-480CEB77EE9C}"/>
+                <a16:creationId xmlns:a16="http://schemas.microsoft.com/office/drawing/2014/main" id="{700946FC-69EF-DF2C-E1E6-7AC02B8BC6E2}"/>
               </a:ext>
             </a:extLst>
           </p:cNvPr>
@@ -1987,7 +1987,7 @@
           <p:cNvPr id="5" name="灯片编号占位符 4">
             <a:extLst>
               <a:ext uri="{FF2B5EF4-FFF2-40B4-BE49-F238E27FC236}">
-                <a16:creationId xmlns:a16="http://schemas.microsoft.com/office/drawing/2014/main" id="{D6A174E8-E2DA-B421-D225-2539E313865E}"/>
+                <a16:creationId xmlns:a16="http://schemas.microsoft.com/office/drawing/2014/main" id="{43EEC2D1-7DB4-B146-77BE-90AE82C19F1A}"/>
               </a:ext>
             </a:extLst>
           </p:cNvPr>
@@ -2003,7 +2003,7 @@
           <a:bodyPr/>
           <a:lstStyle/>
           <a:p>
-            <a:fld id="{558B872B-07CF-40BC-8038-64235AAC6D9C}" type="slidenum">
+            <a:fld id="{E22044BE-2C3C-4EE7-A107-D16FCD13847F}" type="slidenum">
               <a:rPr lang="zh-CN" altLang="en-US" smtClean="0"/>
               <a:t>‹#›</a:t>
             </a:fld>
@@ -2014,7 +2014,7 @@
     </p:spTree>
     <p:extLst>
       <p:ext uri="{BB962C8B-B14F-4D97-AF65-F5344CB8AC3E}">
-        <p14:creationId xmlns:p14="http://schemas.microsoft.com/office/powerpoint/2010/main" val="3521556595"/>
+        <p14:creationId xmlns:p14="http://schemas.microsoft.com/office/powerpoint/2010/main" val="2876834244"/>
       </p:ext>
     </p:extLst>
   </p:cSld>
@@ -2046,7 +2046,7 @@
           <p:cNvPr id="2" name="日期占位符 1">
             <a:extLst>
               <a:ext uri="{FF2B5EF4-FFF2-40B4-BE49-F238E27FC236}">
-                <a16:creationId xmlns:a16="http://schemas.microsoft.com/office/drawing/2014/main" id="{4DA3BEDF-2510-F0E3-8FDF-CE0E743E7D4B}"/>
+                <a16:creationId xmlns:a16="http://schemas.microsoft.com/office/drawing/2014/main" id="{D0C5FFC0-CCBA-1CDB-7E37-050E5E3523CB}"/>
               </a:ext>
             </a:extLst>
           </p:cNvPr>
@@ -2062,7 +2062,7 @@
           <a:bodyPr/>
           <a:lstStyle/>
           <a:p>
-            <a:fld id="{181FEF8B-E3E1-499B-A035-96566AE22860}" type="datetimeFigureOut">
+            <a:fld id="{B0C11A7D-4FCC-48C5-8B3C-EB258C8B1CD9}" type="datetimeFigureOut">
               <a:rPr lang="zh-CN" altLang="en-US" smtClean="0"/>
               <a:t>2024/3/10</a:t>
             </a:fld>
@@ -2075,7 +2075,7 @@
           <p:cNvPr id="3" name="页脚占位符 2">
             <a:extLst>
               <a:ext uri="{FF2B5EF4-FFF2-40B4-BE49-F238E27FC236}">
-                <a16:creationId xmlns:a16="http://schemas.microsoft.com/office/drawing/2014/main" id="{A8C91977-5163-2A74-6DAB-FE19BB28F9FF}"/>
+                <a16:creationId xmlns:a16="http://schemas.microsoft.com/office/drawing/2014/main" id="{521FB5A8-2DF8-FBAE-3E85-4A12D5384111}"/>
               </a:ext>
             </a:extLst>
           </p:cNvPr>
@@ -2100,7 +2100,7 @@
           <p:cNvPr id="4" name="灯片编号占位符 3">
             <a:extLst>
               <a:ext uri="{FF2B5EF4-FFF2-40B4-BE49-F238E27FC236}">
-                <a16:creationId xmlns:a16="http://schemas.microsoft.com/office/drawing/2014/main" id="{BB467652-2108-0749-F2B0-D8FD65AF7FBF}"/>
+                <a16:creationId xmlns:a16="http://schemas.microsoft.com/office/drawing/2014/main" id="{B4CAC0EC-ED60-1177-B733-583E503C093C}"/>
               </a:ext>
             </a:extLst>
           </p:cNvPr>
@@ -2116,7 +2116,7 @@
           <a:bodyPr/>
           <a:lstStyle/>
           <a:p>
-            <a:fld id="{558B872B-07CF-40BC-8038-64235AAC6D9C}" type="slidenum">
+            <a:fld id="{E22044BE-2C3C-4EE7-A107-D16FCD13847F}" type="slidenum">
               <a:rPr lang="zh-CN" altLang="en-US" smtClean="0"/>
               <a:t>‹#›</a:t>
             </a:fld>
@@ -2127,7 +2127,7 @@
     </p:spTree>
     <p:extLst>
       <p:ext uri="{BB962C8B-B14F-4D97-AF65-F5344CB8AC3E}">
-        <p14:creationId xmlns:p14="http://schemas.microsoft.com/office/powerpoint/2010/main" val="1599390708"/>
+        <p14:creationId xmlns:p14="http://schemas.microsoft.com/office/powerpoint/2010/main" val="830388839"/>
       </p:ext>
     </p:extLst>
   </p:cSld>
@@ -2159,7 +2159,7 @@
           <p:cNvPr id="2" name="标题 1">
             <a:extLst>
               <a:ext uri="{FF2B5EF4-FFF2-40B4-BE49-F238E27FC236}">
-                <a16:creationId xmlns:a16="http://schemas.microsoft.com/office/drawing/2014/main" id="{8DE4D04E-1D36-4CCB-9F9D-31CE3643E95A}"/>
+                <a16:creationId xmlns:a16="http://schemas.microsoft.com/office/drawing/2014/main" id="{84BA8F53-EDE3-A449-822A-8BCB87015DD5}"/>
               </a:ext>
             </a:extLst>
           </p:cNvPr>
@@ -2196,7 +2196,7 @@
           <p:cNvPr id="3" name="内容占位符 2">
             <a:extLst>
               <a:ext uri="{FF2B5EF4-FFF2-40B4-BE49-F238E27FC236}">
-                <a16:creationId xmlns:a16="http://schemas.microsoft.com/office/drawing/2014/main" id="{D4F0DA97-A7AE-533D-DA1C-3EC3CC281FC6}"/>
+                <a16:creationId xmlns:a16="http://schemas.microsoft.com/office/drawing/2014/main" id="{03C5FEC6-06F2-F770-A9A1-A9DC9D460A46}"/>
               </a:ext>
             </a:extLst>
           </p:cNvPr>
@@ -2286,7 +2286,7 @@
           <p:cNvPr id="4" name="文本占位符 3">
             <a:extLst>
               <a:ext uri="{FF2B5EF4-FFF2-40B4-BE49-F238E27FC236}">
-                <a16:creationId xmlns:a16="http://schemas.microsoft.com/office/drawing/2014/main" id="{44AF9388-A070-E8F6-3504-2F8845951EE3}"/>
+                <a16:creationId xmlns:a16="http://schemas.microsoft.com/office/drawing/2014/main" id="{8D90245D-134B-D6CB-C32C-E184CB555378}"/>
               </a:ext>
             </a:extLst>
           </p:cNvPr>
@@ -2357,7 +2357,7 @@
           <p:cNvPr id="5" name="日期占位符 4">
             <a:extLst>
               <a:ext uri="{FF2B5EF4-FFF2-40B4-BE49-F238E27FC236}">
-                <a16:creationId xmlns:a16="http://schemas.microsoft.com/office/drawing/2014/main" id="{9A506F2D-F91F-6CD8-232A-1F4048E379F1}"/>
+                <a16:creationId xmlns:a16="http://schemas.microsoft.com/office/drawing/2014/main" id="{F2F6831A-0404-C882-B577-CE30A34A7043}"/>
               </a:ext>
             </a:extLst>
           </p:cNvPr>
@@ -2373,7 +2373,7 @@
           <a:bodyPr/>
           <a:lstStyle/>
           <a:p>
-            <a:fld id="{181FEF8B-E3E1-499B-A035-96566AE22860}" type="datetimeFigureOut">
+            <a:fld id="{B0C11A7D-4FCC-48C5-8B3C-EB258C8B1CD9}" type="datetimeFigureOut">
               <a:rPr lang="zh-CN" altLang="en-US" smtClean="0"/>
               <a:t>2024/3/10</a:t>
             </a:fld>
@@ -2386,7 +2386,7 @@
           <p:cNvPr id="6" name="页脚占位符 5">
             <a:extLst>
               <a:ext uri="{FF2B5EF4-FFF2-40B4-BE49-F238E27FC236}">
-                <a16:creationId xmlns:a16="http://schemas.microsoft.com/office/drawing/2014/main" id="{EB3E5200-91D3-9513-3224-3599ABC81610}"/>
+                <a16:creationId xmlns:a16="http://schemas.microsoft.com/office/drawing/2014/main" id="{141C2B2A-5308-1310-C76C-BD236DFA79A6}"/>
               </a:ext>
             </a:extLst>
           </p:cNvPr>
@@ -2411,7 +2411,7 @@
           <p:cNvPr id="7" name="灯片编号占位符 6">
             <a:extLst>
               <a:ext uri="{FF2B5EF4-FFF2-40B4-BE49-F238E27FC236}">
-                <a16:creationId xmlns:a16="http://schemas.microsoft.com/office/drawing/2014/main" id="{B906A7C8-B37A-4AEC-2D57-EAA94C16E945}"/>
+                <a16:creationId xmlns:a16="http://schemas.microsoft.com/office/drawing/2014/main" id="{3AC47B7B-BED0-F8D7-5509-B186A557B9FD}"/>
               </a:ext>
             </a:extLst>
           </p:cNvPr>
@@ -2427,7 +2427,7 @@
           <a:bodyPr/>
           <a:lstStyle/>
           <a:p>
-            <a:fld id="{558B872B-07CF-40BC-8038-64235AAC6D9C}" type="slidenum">
+            <a:fld id="{E22044BE-2C3C-4EE7-A107-D16FCD13847F}" type="slidenum">
               <a:rPr lang="zh-CN" altLang="en-US" smtClean="0"/>
               <a:t>‹#›</a:t>
             </a:fld>
@@ -2438,7 +2438,7 @@
     </p:spTree>
     <p:extLst>
       <p:ext uri="{BB962C8B-B14F-4D97-AF65-F5344CB8AC3E}">
-        <p14:creationId xmlns:p14="http://schemas.microsoft.com/office/powerpoint/2010/main" val="4246827609"/>
+        <p14:creationId xmlns:p14="http://schemas.microsoft.com/office/powerpoint/2010/main" val="1389741896"/>
       </p:ext>
     </p:extLst>
   </p:cSld>
@@ -2470,7 +2470,7 @@
           <p:cNvPr id="2" name="标题 1">
             <a:extLst>
               <a:ext uri="{FF2B5EF4-FFF2-40B4-BE49-F238E27FC236}">
-                <a16:creationId xmlns:a16="http://schemas.microsoft.com/office/drawing/2014/main" id="{1725339F-57D3-3522-A283-BB83E3C75598}"/>
+                <a16:creationId xmlns:a16="http://schemas.microsoft.com/office/drawing/2014/main" id="{5BD583A3-2870-836C-936D-83F623A2BCED}"/>
               </a:ext>
             </a:extLst>
           </p:cNvPr>
@@ -2507,7 +2507,7 @@
           <p:cNvPr id="3" name="图片占位符 2">
             <a:extLst>
               <a:ext uri="{FF2B5EF4-FFF2-40B4-BE49-F238E27FC236}">
-                <a16:creationId xmlns:a16="http://schemas.microsoft.com/office/drawing/2014/main" id="{42BB2E54-31AD-E811-4363-1E4303FF6E08}"/>
+                <a16:creationId xmlns:a16="http://schemas.microsoft.com/office/drawing/2014/main" id="{3D665048-4B2C-8BE9-343B-4136D370CD8C}"/>
               </a:ext>
             </a:extLst>
           </p:cNvPr>
@@ -2574,7 +2574,7 @@
           <p:cNvPr id="4" name="文本占位符 3">
             <a:extLst>
               <a:ext uri="{FF2B5EF4-FFF2-40B4-BE49-F238E27FC236}">
-                <a16:creationId xmlns:a16="http://schemas.microsoft.com/office/drawing/2014/main" id="{0CE8D486-872E-6C36-D139-DCD3F115389A}"/>
+                <a16:creationId xmlns:a16="http://schemas.microsoft.com/office/drawing/2014/main" id="{15B4106F-44F8-9FC9-F154-65D07D2F08E8}"/>
               </a:ext>
             </a:extLst>
           </p:cNvPr>
@@ -2645,7 +2645,7 @@
           <p:cNvPr id="5" name="日期占位符 4">
             <a:extLst>
               <a:ext uri="{FF2B5EF4-FFF2-40B4-BE49-F238E27FC236}">
-                <a16:creationId xmlns:a16="http://schemas.microsoft.com/office/drawing/2014/main" id="{36CE3A85-47F6-D91E-E339-BEF6BE6922BE}"/>
+                <a16:creationId xmlns:a16="http://schemas.microsoft.com/office/drawing/2014/main" id="{009EE10C-2C65-B3F9-A48C-D49B466970AC}"/>
               </a:ext>
             </a:extLst>
           </p:cNvPr>
@@ -2661,7 +2661,7 @@
           <a:bodyPr/>
           <a:lstStyle/>
           <a:p>
-            <a:fld id="{181FEF8B-E3E1-499B-A035-96566AE22860}" type="datetimeFigureOut">
+            <a:fld id="{B0C11A7D-4FCC-48C5-8B3C-EB258C8B1CD9}" type="datetimeFigureOut">
               <a:rPr lang="zh-CN" altLang="en-US" smtClean="0"/>
               <a:t>2024/3/10</a:t>
             </a:fld>
@@ -2674,7 +2674,7 @@
           <p:cNvPr id="6" name="页脚占位符 5">
             <a:extLst>
               <a:ext uri="{FF2B5EF4-FFF2-40B4-BE49-F238E27FC236}">
-                <a16:creationId xmlns:a16="http://schemas.microsoft.com/office/drawing/2014/main" id="{0A8D3DA0-D8A7-40F6-BEDB-43548F88F0B9}"/>
+                <a16:creationId xmlns:a16="http://schemas.microsoft.com/office/drawing/2014/main" id="{3CA62449-14D3-ADA4-9345-F1FACF323A57}"/>
               </a:ext>
             </a:extLst>
           </p:cNvPr>
@@ -2699,7 +2699,7 @@
           <p:cNvPr id="7" name="灯片编号占位符 6">
             <a:extLst>
               <a:ext uri="{FF2B5EF4-FFF2-40B4-BE49-F238E27FC236}">
-                <a16:creationId xmlns:a16="http://schemas.microsoft.com/office/drawing/2014/main" id="{7D7F69FC-4055-66C5-C3AB-571A9BD82463}"/>
+                <a16:creationId xmlns:a16="http://schemas.microsoft.com/office/drawing/2014/main" id="{8C628BCF-E13E-5ABD-F0C1-B016D8AAA126}"/>
               </a:ext>
             </a:extLst>
           </p:cNvPr>
@@ -2715,7 +2715,7 @@
           <a:bodyPr/>
           <a:lstStyle/>
           <a:p>
-            <a:fld id="{558B872B-07CF-40BC-8038-64235AAC6D9C}" type="slidenum">
+            <a:fld id="{E22044BE-2C3C-4EE7-A107-D16FCD13847F}" type="slidenum">
               <a:rPr lang="zh-CN" altLang="en-US" smtClean="0"/>
               <a:t>‹#›</a:t>
             </a:fld>
@@ -2726,7 +2726,7 @@
     </p:spTree>
     <p:extLst>
       <p:ext uri="{BB962C8B-B14F-4D97-AF65-F5344CB8AC3E}">
-        <p14:creationId xmlns:p14="http://schemas.microsoft.com/office/powerpoint/2010/main" val="1660931815"/>
+        <p14:creationId xmlns:p14="http://schemas.microsoft.com/office/powerpoint/2010/main" val="1239953449"/>
       </p:ext>
     </p:extLst>
   </p:cSld>
@@ -2763,7 +2763,7 @@
           <p:cNvPr id="2" name="标题占位符 1">
             <a:extLst>
               <a:ext uri="{FF2B5EF4-FFF2-40B4-BE49-F238E27FC236}">
-                <a16:creationId xmlns:a16="http://schemas.microsoft.com/office/drawing/2014/main" id="{AD461F1D-14A4-A46F-D791-62D952A45B62}"/>
+                <a16:creationId xmlns:a16="http://schemas.microsoft.com/office/drawing/2014/main" id="{A43E97EA-9CC9-C371-87F3-ACBBFBCD99BD}"/>
               </a:ext>
             </a:extLst>
           </p:cNvPr>
@@ -2801,7 +2801,7 @@
           <p:cNvPr id="3" name="文本占位符 2">
             <a:extLst>
               <a:ext uri="{FF2B5EF4-FFF2-40B4-BE49-F238E27FC236}">
-                <a16:creationId xmlns:a16="http://schemas.microsoft.com/office/drawing/2014/main" id="{228C6D8D-5FB2-A133-4440-82DCB48FDACC}"/>
+                <a16:creationId xmlns:a16="http://schemas.microsoft.com/office/drawing/2014/main" id="{4C95ADE3-8057-556D-6EF1-2CB72597CF4A}"/>
               </a:ext>
             </a:extLst>
           </p:cNvPr>
@@ -2868,7 +2868,7 @@
           <p:cNvPr id="4" name="日期占位符 3">
             <a:extLst>
               <a:ext uri="{FF2B5EF4-FFF2-40B4-BE49-F238E27FC236}">
-                <a16:creationId xmlns:a16="http://schemas.microsoft.com/office/drawing/2014/main" id="{17A79656-82E0-FDB6-71B6-9F96B8FF38AB}"/>
+                <a16:creationId xmlns:a16="http://schemas.microsoft.com/office/drawing/2014/main" id="{D765C07F-22FB-A990-BA38-5C9B42B5D598}"/>
               </a:ext>
             </a:extLst>
           </p:cNvPr>
@@ -2902,7 +2902,7 @@
             </a:lvl1pPr>
           </a:lstStyle>
           <a:p>
-            <a:fld id="{181FEF8B-E3E1-499B-A035-96566AE22860}" type="datetimeFigureOut">
+            <a:fld id="{B0C11A7D-4FCC-48C5-8B3C-EB258C8B1CD9}" type="datetimeFigureOut">
               <a:rPr lang="zh-CN" altLang="en-US" smtClean="0"/>
               <a:t>2024/3/10</a:t>
             </a:fld>
@@ -2915,7 +2915,7 @@
           <p:cNvPr id="5" name="页脚占位符 4">
             <a:extLst>
               <a:ext uri="{FF2B5EF4-FFF2-40B4-BE49-F238E27FC236}">
-                <a16:creationId xmlns:a16="http://schemas.microsoft.com/office/drawing/2014/main" id="{72F0AFFA-D95F-7DA4-BD56-39F5C6645293}"/>
+                <a16:creationId xmlns:a16="http://schemas.microsoft.com/office/drawing/2014/main" id="{5790300D-1840-9F78-37C2-D720FE2D3795}"/>
               </a:ext>
             </a:extLst>
           </p:cNvPr>
@@ -2958,7 +2958,7 @@
           <p:cNvPr id="6" name="灯片编号占位符 5">
             <a:extLst>
               <a:ext uri="{FF2B5EF4-FFF2-40B4-BE49-F238E27FC236}">
-                <a16:creationId xmlns:a16="http://schemas.microsoft.com/office/drawing/2014/main" id="{F25ADDC1-D7EE-3529-73F3-143C924D74DC}"/>
+                <a16:creationId xmlns:a16="http://schemas.microsoft.com/office/drawing/2014/main" id="{179E29D0-C25B-3A07-12DE-3913E1C3C948}"/>
               </a:ext>
             </a:extLst>
           </p:cNvPr>
@@ -2992,7 +2992,7 @@
             </a:lvl1pPr>
           </a:lstStyle>
           <a:p>
-            <a:fld id="{558B872B-07CF-40BC-8038-64235AAC6D9C}" type="slidenum">
+            <a:fld id="{E22044BE-2C3C-4EE7-A107-D16FCD13847F}" type="slidenum">
               <a:rPr lang="zh-CN" altLang="en-US" smtClean="0"/>
               <a:t>‹#›</a:t>
             </a:fld>
@@ -3003,7 +3003,7 @@
     </p:spTree>
     <p:extLst>
       <p:ext uri="{BB962C8B-B14F-4D97-AF65-F5344CB8AC3E}">
-        <p14:creationId xmlns:p14="http://schemas.microsoft.com/office/powerpoint/2010/main" val="4146265706"/>
+        <p14:creationId xmlns:p14="http://schemas.microsoft.com/office/powerpoint/2010/main" val="3958329212"/>
       </p:ext>
     </p:extLst>
   </p:cSld>
